--- a/BDIIA03.pptx
+++ b/BDIIA03.pptx
@@ -8,10 +8,13 @@
     <p:sldId id="256" r:id="rId2"/>
     <p:sldId id="257" r:id="rId3"/>
     <p:sldId id="258" r:id="rId4"/>
-    <p:sldId id="259" r:id="rId5"/>
-    <p:sldId id="260" r:id="rId6"/>
-    <p:sldId id="261" r:id="rId7"/>
-    <p:sldId id="262" r:id="rId8"/>
+    <p:sldId id="263" r:id="rId5"/>
+    <p:sldId id="259" r:id="rId6"/>
+    <p:sldId id="264" r:id="rId7"/>
+    <p:sldId id="265" r:id="rId8"/>
+    <p:sldId id="260" r:id="rId9"/>
+    <p:sldId id="261" r:id="rId10"/>
+    <p:sldId id="262" r:id="rId11"/>
   </p:sldIdLst>
   <p:sldSz cx="12192000" cy="6858000"/>
   <p:notesSz cx="6858000" cy="9144000"/>
@@ -310,7 +313,7 @@
             <a:fld id="{B61BEF0D-F0BB-DE4B-95CE-6DB70DBA9567}" type="datetimeFigureOut">
               <a:rPr lang="en-US" dirty="0"/>
               <a:pPr/>
-              <a:t>6/16/2020</a:t>
+              <a:t>4/5/2021</a:t>
             </a:fld>
             <a:endParaRPr lang="en-US" dirty="0"/>
           </a:p>
@@ -743,7 +746,7 @@
             <a:fld id="{B61BEF0D-F0BB-DE4B-95CE-6DB70DBA9567}" type="datetimeFigureOut">
               <a:rPr lang="en-US" dirty="0"/>
               <a:pPr/>
-              <a:t>6/16/2020</a:t>
+              <a:t>4/5/2021</a:t>
             </a:fld>
             <a:endParaRPr lang="en-US" dirty="0"/>
           </a:p>
@@ -990,7 +993,7 @@
             <a:fld id="{B61BEF0D-F0BB-DE4B-95CE-6DB70DBA9567}" type="datetimeFigureOut">
               <a:rPr lang="en-US" dirty="0"/>
               <a:pPr/>
-              <a:t>6/16/2020</a:t>
+              <a:t>4/5/2021</a:t>
             </a:fld>
             <a:endParaRPr lang="en-US" dirty="0"/>
           </a:p>
@@ -1295,7 +1298,7 @@
             <a:fld id="{B61BEF0D-F0BB-DE4B-95CE-6DB70DBA9567}" type="datetimeFigureOut">
               <a:rPr lang="en-US" dirty="0"/>
               <a:pPr/>
-              <a:t>6/16/2020</a:t>
+              <a:t>4/5/2021</a:t>
             </a:fld>
             <a:endParaRPr lang="en-US" dirty="0"/>
           </a:p>
@@ -1610,7 +1613,7 @@
             <a:fld id="{B61BEF0D-F0BB-DE4B-95CE-6DB70DBA9567}" type="datetimeFigureOut">
               <a:rPr lang="en-US" dirty="0"/>
               <a:pPr/>
-              <a:t>6/16/2020</a:t>
+              <a:t>4/5/2021</a:t>
             </a:fld>
             <a:endParaRPr lang="en-US" dirty="0"/>
           </a:p>
@@ -1909,7 +1912,7 @@
             <a:fld id="{B61BEF0D-F0BB-DE4B-95CE-6DB70DBA9567}" type="datetimeFigureOut">
               <a:rPr lang="en-US" dirty="0"/>
               <a:pPr/>
-              <a:t>6/16/2020</a:t>
+              <a:t>4/5/2021</a:t>
             </a:fld>
             <a:endParaRPr lang="en-US" dirty="0"/>
           </a:p>
@@ -2273,7 +2276,7 @@
             <a:fld id="{B61BEF0D-F0BB-DE4B-95CE-6DB70DBA9567}" type="datetimeFigureOut">
               <a:rPr lang="en-US" dirty="0"/>
               <a:pPr/>
-              <a:t>6/16/2020</a:t>
+              <a:t>4/5/2021</a:t>
             </a:fld>
             <a:endParaRPr lang="en-US" dirty="0"/>
           </a:p>
@@ -2444,7 +2447,7 @@
             <a:fld id="{B61BEF0D-F0BB-DE4B-95CE-6DB70DBA9567}" type="datetimeFigureOut">
               <a:rPr lang="en-US" dirty="0"/>
               <a:pPr/>
-              <a:t>6/16/2020</a:t>
+              <a:t>4/5/2021</a:t>
             </a:fld>
             <a:endParaRPr lang="en-US" dirty="0"/>
           </a:p>
@@ -2621,7 +2624,7 @@
             <a:fld id="{B61BEF0D-F0BB-DE4B-95CE-6DB70DBA9567}" type="datetimeFigureOut">
               <a:rPr lang="en-US" dirty="0"/>
               <a:pPr/>
-              <a:t>6/16/2020</a:t>
+              <a:t>4/5/2021</a:t>
             </a:fld>
             <a:endParaRPr lang="en-US" dirty="0"/>
           </a:p>
@@ -2788,7 +2791,7 @@
             <a:fld id="{B61BEF0D-F0BB-DE4B-95CE-6DB70DBA9567}" type="datetimeFigureOut">
               <a:rPr lang="en-US" dirty="0"/>
               <a:pPr/>
-              <a:t>6/16/2020</a:t>
+              <a:t>4/5/2021</a:t>
             </a:fld>
             <a:endParaRPr lang="en-US" dirty="0"/>
           </a:p>
@@ -3035,7 +3038,7 @@
             <a:fld id="{B61BEF0D-F0BB-DE4B-95CE-6DB70DBA9567}" type="datetimeFigureOut">
               <a:rPr lang="en-US" dirty="0"/>
               <a:pPr/>
-              <a:t>6/16/2020</a:t>
+              <a:t>4/5/2021</a:t>
             </a:fld>
             <a:endParaRPr lang="en-US" dirty="0"/>
           </a:p>
@@ -3268,7 +3271,7 @@
             <a:fld id="{B61BEF0D-F0BB-DE4B-95CE-6DB70DBA9567}" type="datetimeFigureOut">
               <a:rPr lang="en-US" dirty="0"/>
               <a:pPr/>
-              <a:t>6/16/2020</a:t>
+              <a:t>4/5/2021</a:t>
             </a:fld>
             <a:endParaRPr lang="en-US" dirty="0"/>
           </a:p>
@@ -3647,7 +3650,7 @@
             <a:fld id="{B61BEF0D-F0BB-DE4B-95CE-6DB70DBA9567}" type="datetimeFigureOut">
               <a:rPr lang="en-US" dirty="0"/>
               <a:pPr/>
-              <a:t>6/16/2020</a:t>
+              <a:t>4/5/2021</a:t>
             </a:fld>
             <a:endParaRPr lang="en-US" dirty="0"/>
           </a:p>
@@ -3762,7 +3765,7 @@
             <a:fld id="{B61BEF0D-F0BB-DE4B-95CE-6DB70DBA9567}" type="datetimeFigureOut">
               <a:rPr lang="en-US" dirty="0"/>
               <a:pPr/>
-              <a:t>6/16/2020</a:t>
+              <a:t>4/5/2021</a:t>
             </a:fld>
             <a:endParaRPr lang="en-US" dirty="0"/>
           </a:p>
@@ -3854,7 +3857,7 @@
             <a:fld id="{B61BEF0D-F0BB-DE4B-95CE-6DB70DBA9567}" type="datetimeFigureOut">
               <a:rPr lang="en-US" dirty="0"/>
               <a:pPr/>
-              <a:t>6/16/2020</a:t>
+              <a:t>4/5/2021</a:t>
             </a:fld>
             <a:endParaRPr lang="en-US" dirty="0"/>
           </a:p>
@@ -4106,7 +4109,7 @@
             <a:fld id="{B61BEF0D-F0BB-DE4B-95CE-6DB70DBA9567}" type="datetimeFigureOut">
               <a:rPr lang="en-US" dirty="0"/>
               <a:pPr/>
-              <a:t>6/16/2020</a:t>
+              <a:t>4/5/2021</a:t>
             </a:fld>
             <a:endParaRPr lang="en-US" dirty="0"/>
           </a:p>
@@ -4386,7 +4389,7 @@
             <a:fld id="{B61BEF0D-F0BB-DE4B-95CE-6DB70DBA9567}" type="datetimeFigureOut">
               <a:rPr lang="en-US" dirty="0"/>
               <a:pPr/>
-              <a:t>6/16/2020</a:t>
+              <a:t>4/5/2021</a:t>
             </a:fld>
             <a:endParaRPr lang="en-US" dirty="0"/>
           </a:p>
@@ -4789,7 +4792,7 @@
             <a:fld id="{B61BEF0D-F0BB-DE4B-95CE-6DB70DBA9567}" type="datetimeFigureOut">
               <a:rPr lang="en-US" dirty="0"/>
               <a:pPr/>
-              <a:t>6/16/2020</a:t>
+              <a:t>4/5/2021</a:t>
             </a:fld>
             <a:endParaRPr lang="en-US" dirty="0"/>
           </a:p>
@@ -5374,6 +5377,191 @@
     <p:extLst>
       <p:ext uri="{BB962C8B-B14F-4D97-AF65-F5344CB8AC3E}">
         <p14:creationId xmlns:p14="http://schemas.microsoft.com/office/powerpoint/2010/main" val="2029186990"/>
+      </p:ext>
+    </p:extLst>
+  </p:cSld>
+  <p:clrMapOvr>
+    <a:masterClrMapping/>
+  </p:clrMapOvr>
+</p:sld>
+</file>
+
+<file path=ppt/slides/slide10.xml><?xml version="1.0" encoding="utf-8"?>
+<p:sld xmlns:a="http://schemas.openxmlformats.org/drawingml/2006/main" xmlns:r="http://schemas.openxmlformats.org/officeDocument/2006/relationships" xmlns:p="http://schemas.openxmlformats.org/presentationml/2006/main">
+  <p:cSld>
+    <p:spTree>
+      <p:nvGrpSpPr>
+        <p:cNvPr id="1" name=""/>
+        <p:cNvGrpSpPr/>
+        <p:nvPr/>
+      </p:nvGrpSpPr>
+      <p:grpSpPr>
+        <a:xfrm>
+          <a:off x="0" y="0"/>
+          <a:ext cx="0" cy="0"/>
+          <a:chOff x="0" y="0"/>
+          <a:chExt cx="0" cy="0"/>
+        </a:xfrm>
+      </p:grpSpPr>
+      <p:sp>
+        <p:nvSpPr>
+          <p:cNvPr id="9" name="CaixaDeTexto 8">
+            <a:extLst>
+              <a:ext uri="{FF2B5EF4-FFF2-40B4-BE49-F238E27FC236}">
+                <a16:creationId xmlns:a16="http://schemas.microsoft.com/office/drawing/2014/main" id="{7A02424A-D3F7-49ED-9272-AE38106E51E9}"/>
+              </a:ext>
+            </a:extLst>
+          </p:cNvPr>
+          <p:cNvSpPr txBox="1"/>
+          <p:nvPr/>
+        </p:nvSpPr>
+        <p:spPr>
+          <a:xfrm>
+            <a:off x="3953055" y="734194"/>
+            <a:ext cx="3172663" cy="923330"/>
+          </a:xfrm>
+          <a:prstGeom prst="rect">
+            <a:avLst/>
+          </a:prstGeom>
+          <a:noFill/>
+        </p:spPr>
+        <p:txBody>
+          <a:bodyPr wrap="none" rtlCol="0">
+            <a:spAutoFit/>
+          </a:bodyPr>
+          <a:lstStyle/>
+          <a:p>
+            <a:r>
+              <a:rPr lang="pt-BR" sz="5400" dirty="0"/>
+              <a:t>produtos</a:t>
+            </a:r>
+          </a:p>
+        </p:txBody>
+      </p:sp>
+      <p:pic>
+        <p:nvPicPr>
+          <p:cNvPr id="2" name="Imagem 1">
+            <a:extLst>
+              <a:ext uri="{FF2B5EF4-FFF2-40B4-BE49-F238E27FC236}">
+                <a16:creationId xmlns:a16="http://schemas.microsoft.com/office/drawing/2014/main" id="{FACF22DB-DAE5-4D4D-943D-F5DAB05AA8DE}"/>
+              </a:ext>
+            </a:extLst>
+          </p:cNvPr>
+          <p:cNvPicPr>
+            <a:picLocks noChangeAspect="1"/>
+          </p:cNvPicPr>
+          <p:nvPr/>
+        </p:nvPicPr>
+        <p:blipFill>
+          <a:blip r:embed="rId2"/>
+          <a:stretch>
+            <a:fillRect/>
+          </a:stretch>
+        </p:blipFill>
+        <p:spPr>
+          <a:xfrm>
+            <a:off x="291088" y="2345883"/>
+            <a:ext cx="5443286" cy="2351711"/>
+          </a:xfrm>
+          <a:prstGeom prst="rect">
+            <a:avLst/>
+          </a:prstGeom>
+        </p:spPr>
+      </p:pic>
+      <p:pic>
+        <p:nvPicPr>
+          <p:cNvPr id="4" name="Imagem 3">
+            <a:extLst>
+              <a:ext uri="{FF2B5EF4-FFF2-40B4-BE49-F238E27FC236}">
+                <a16:creationId xmlns:a16="http://schemas.microsoft.com/office/drawing/2014/main" id="{655A38FF-92C2-48B4-9C9F-A20817CBF5FB}"/>
+              </a:ext>
+            </a:extLst>
+          </p:cNvPr>
+          <p:cNvPicPr>
+            <a:picLocks noChangeAspect="1"/>
+          </p:cNvPicPr>
+          <p:nvPr/>
+        </p:nvPicPr>
+        <p:blipFill>
+          <a:blip r:embed="rId3"/>
+          <a:stretch>
+            <a:fillRect/>
+          </a:stretch>
+        </p:blipFill>
+        <p:spPr>
+          <a:xfrm>
+            <a:off x="7376313" y="4697594"/>
+            <a:ext cx="4148013" cy="1431471"/>
+          </a:xfrm>
+          <a:prstGeom prst="rect">
+            <a:avLst/>
+          </a:prstGeom>
+        </p:spPr>
+      </p:pic>
+      <p:pic>
+        <p:nvPicPr>
+          <p:cNvPr id="5" name="Imagem 4">
+            <a:extLst>
+              <a:ext uri="{FF2B5EF4-FFF2-40B4-BE49-F238E27FC236}">
+                <a16:creationId xmlns:a16="http://schemas.microsoft.com/office/drawing/2014/main" id="{7E156E1F-4FF7-4DFC-AF71-C7D2694A020E}"/>
+              </a:ext>
+            </a:extLst>
+          </p:cNvPr>
+          <p:cNvPicPr>
+            <a:picLocks noChangeAspect="1"/>
+          </p:cNvPicPr>
+          <p:nvPr/>
+        </p:nvPicPr>
+        <p:blipFill>
+          <a:blip r:embed="rId4"/>
+          <a:stretch>
+            <a:fillRect/>
+          </a:stretch>
+        </p:blipFill>
+        <p:spPr>
+          <a:xfrm>
+            <a:off x="6030377" y="2196438"/>
+            <a:ext cx="6105345" cy="966262"/>
+          </a:xfrm>
+          <a:prstGeom prst="rect">
+            <a:avLst/>
+          </a:prstGeom>
+        </p:spPr>
+      </p:pic>
+      <p:pic>
+        <p:nvPicPr>
+          <p:cNvPr id="8" name="Imagem 7">
+            <a:extLst>
+              <a:ext uri="{FF2B5EF4-FFF2-40B4-BE49-F238E27FC236}">
+                <a16:creationId xmlns:a16="http://schemas.microsoft.com/office/drawing/2014/main" id="{A08C3C27-4CFC-4D97-9BFB-18D955688D33}"/>
+              </a:ext>
+            </a:extLst>
+          </p:cNvPr>
+          <p:cNvPicPr>
+            <a:picLocks noChangeAspect="1"/>
+          </p:cNvPicPr>
+          <p:nvPr/>
+        </p:nvPicPr>
+        <p:blipFill>
+          <a:blip r:embed="rId5"/>
+          <a:stretch>
+            <a:fillRect/>
+          </a:stretch>
+        </p:blipFill>
+        <p:spPr>
+          <a:xfrm>
+            <a:off x="1735810" y="5361742"/>
+            <a:ext cx="4838829" cy="610369"/>
+          </a:xfrm>
+          <a:prstGeom prst="rect">
+            <a:avLst/>
+          </a:prstGeom>
+        </p:spPr>
+      </p:pic>
+    </p:spTree>
+    <p:extLst>
+      <p:ext uri="{BB962C8B-B14F-4D97-AF65-F5344CB8AC3E}">
+        <p14:creationId xmlns:p14="http://schemas.microsoft.com/office/powerpoint/2010/main" val="1793004218"/>
       </p:ext>
     </p:extLst>
   </p:cSld>
@@ -6062,6 +6250,798 @@
 <file path=ppt/slides/slide3.xml><?xml version="1.0" encoding="utf-8"?>
 <p:sld xmlns:a="http://schemas.openxmlformats.org/drawingml/2006/main" xmlns:r="http://schemas.openxmlformats.org/officeDocument/2006/relationships" xmlns:p="http://schemas.openxmlformats.org/presentationml/2006/main">
   <p:cSld>
+    <p:bg>
+      <p:bgPr>
+        <a:solidFill>
+          <a:schemeClr val="bg1"/>
+        </a:solidFill>
+        <a:effectLst/>
+      </p:bgPr>
+    </p:bg>
+    <p:spTree>
+      <p:nvGrpSpPr>
+        <p:cNvPr id="1" name=""/>
+        <p:cNvGrpSpPr/>
+        <p:nvPr/>
+      </p:nvGrpSpPr>
+      <p:grpSpPr>
+        <a:xfrm>
+          <a:off x="0" y="0"/>
+          <a:ext cx="0" cy="0"/>
+          <a:chOff x="0" y="0"/>
+          <a:chExt cx="0" cy="0"/>
+        </a:xfrm>
+      </p:grpSpPr>
+      <p:cxnSp>
+        <p:nvCxnSpPr>
+          <p:cNvPr id="14" name="Straight Connector 13">
+            <a:extLst>
+              <a:ext uri="{FF2B5EF4-FFF2-40B4-BE49-F238E27FC236}">
+                <a16:creationId xmlns:a16="http://schemas.microsoft.com/office/drawing/2014/main" id="{0512F9CB-A1A0-4043-A103-F6A4B94B695A}"/>
+              </a:ext>
+              <a:ext uri="{C183D7F6-B498-43B3-948B-1728B52AA6E4}">
+                <adec:decorative xmlns:adec="http://schemas.microsoft.com/office/drawing/2017/decorative" val="1"/>
+              </a:ext>
+            </a:extLst>
+          </p:cNvPr>
+          <p:cNvCxnSpPr>
+            <a:cxnSpLocks noGrp="1" noRot="1" noChangeAspect="1" noMove="1" noResize="1" noEditPoints="1" noAdjustHandles="1" noChangeArrowheads="1" noChangeShapeType="1"/>
+          </p:cNvCxnSpPr>
+          <p:nvPr>
+            <p:extLst>
+              <p:ext uri="{386F3935-93C4-4BCD-93E2-E3B085C9AB24}">
+                <p16:designElem xmlns:p16="http://schemas.microsoft.com/office/powerpoint/2015/main" val="1"/>
+              </p:ext>
+            </p:extLst>
+          </p:nvPr>
+        </p:nvCxnSpPr>
+        <p:spPr>
+          <a:xfrm flipH="1">
+            <a:off x="8228012" y="8467"/>
+            <a:ext cx="3810000" cy="3810000"/>
+          </a:xfrm>
+          <a:prstGeom prst="line">
+            <a:avLst/>
+          </a:prstGeom>
+          <a:ln w="12700">
+            <a:solidFill>
+              <a:schemeClr val="tx1"/>
+            </a:solidFill>
+          </a:ln>
+        </p:spPr>
+        <p:style>
+          <a:lnRef idx="2">
+            <a:schemeClr val="accent1"/>
+          </a:lnRef>
+          <a:fillRef idx="0">
+            <a:schemeClr val="accent1"/>
+          </a:fillRef>
+          <a:effectRef idx="1">
+            <a:schemeClr val="accent1"/>
+          </a:effectRef>
+          <a:fontRef idx="minor">
+            <a:schemeClr val="tx1"/>
+          </a:fontRef>
+        </p:style>
+      </p:cxnSp>
+      <p:cxnSp>
+        <p:nvCxnSpPr>
+          <p:cNvPr id="16" name="Straight Connector 15">
+            <a:extLst>
+              <a:ext uri="{FF2B5EF4-FFF2-40B4-BE49-F238E27FC236}">
+                <a16:creationId xmlns:a16="http://schemas.microsoft.com/office/drawing/2014/main" id="{ADBE6588-EE16-4389-857C-86A156D49E5D}"/>
+              </a:ext>
+              <a:ext uri="{C183D7F6-B498-43B3-948B-1728B52AA6E4}">
+                <adec:decorative xmlns:adec="http://schemas.microsoft.com/office/drawing/2017/decorative" val="1"/>
+              </a:ext>
+            </a:extLst>
+          </p:cNvPr>
+          <p:cNvCxnSpPr>
+            <a:cxnSpLocks noGrp="1" noRot="1" noChangeAspect="1" noMove="1" noResize="1" noEditPoints="1" noAdjustHandles="1" noChangeArrowheads="1" noChangeShapeType="1"/>
+          </p:cNvCxnSpPr>
+          <p:nvPr>
+            <p:extLst>
+              <p:ext uri="{386F3935-93C4-4BCD-93E2-E3B085C9AB24}">
+                <p16:designElem xmlns:p16="http://schemas.microsoft.com/office/powerpoint/2015/main" val="1"/>
+              </p:ext>
+            </p:extLst>
+          </p:nvPr>
+        </p:nvCxnSpPr>
+        <p:spPr>
+          <a:xfrm flipH="1">
+            <a:off x="6108170" y="91545"/>
+            <a:ext cx="6080655" cy="6080655"/>
+          </a:xfrm>
+          <a:prstGeom prst="line">
+            <a:avLst/>
+          </a:prstGeom>
+          <a:ln w="12700">
+            <a:solidFill>
+              <a:schemeClr val="tx1"/>
+            </a:solidFill>
+          </a:ln>
+        </p:spPr>
+        <p:style>
+          <a:lnRef idx="2">
+            <a:schemeClr val="accent1"/>
+          </a:lnRef>
+          <a:fillRef idx="0">
+            <a:schemeClr val="accent1"/>
+          </a:fillRef>
+          <a:effectRef idx="1">
+            <a:schemeClr val="accent1"/>
+          </a:effectRef>
+          <a:fontRef idx="minor">
+            <a:schemeClr val="tx1"/>
+          </a:fontRef>
+        </p:style>
+      </p:cxnSp>
+      <p:cxnSp>
+        <p:nvCxnSpPr>
+          <p:cNvPr id="18" name="Straight Connector 17">
+            <a:extLst>
+              <a:ext uri="{FF2B5EF4-FFF2-40B4-BE49-F238E27FC236}">
+                <a16:creationId xmlns:a16="http://schemas.microsoft.com/office/drawing/2014/main" id="{17FD48D2-B0A7-413D-B947-AA55AC1296D5}"/>
+              </a:ext>
+              <a:ext uri="{C183D7F6-B498-43B3-948B-1728B52AA6E4}">
+                <adec:decorative xmlns:adec="http://schemas.microsoft.com/office/drawing/2017/decorative" val="1"/>
+              </a:ext>
+            </a:extLst>
+          </p:cNvPr>
+          <p:cNvCxnSpPr>
+            <a:cxnSpLocks noGrp="1" noRot="1" noChangeAspect="1" noMove="1" noResize="1" noEditPoints="1" noAdjustHandles="1" noChangeArrowheads="1" noChangeShapeType="1"/>
+          </p:cNvCxnSpPr>
+          <p:nvPr>
+            <p:extLst>
+              <p:ext uri="{386F3935-93C4-4BCD-93E2-E3B085C9AB24}">
+                <p16:designElem xmlns:p16="http://schemas.microsoft.com/office/powerpoint/2015/main" val="1"/>
+              </p:ext>
+            </p:extLst>
+          </p:nvPr>
+        </p:nvCxnSpPr>
+        <p:spPr>
+          <a:xfrm flipH="1">
+            <a:off x="7235825" y="228600"/>
+            <a:ext cx="4953000" cy="4953000"/>
+          </a:xfrm>
+          <a:prstGeom prst="line">
+            <a:avLst/>
+          </a:prstGeom>
+          <a:ln w="12700">
+            <a:solidFill>
+              <a:schemeClr val="tx1"/>
+            </a:solidFill>
+          </a:ln>
+        </p:spPr>
+        <p:style>
+          <a:lnRef idx="2">
+            <a:schemeClr val="accent1"/>
+          </a:lnRef>
+          <a:fillRef idx="0">
+            <a:schemeClr val="accent1"/>
+          </a:fillRef>
+          <a:effectRef idx="1">
+            <a:schemeClr val="accent1"/>
+          </a:effectRef>
+          <a:fontRef idx="minor">
+            <a:schemeClr val="tx1"/>
+          </a:fontRef>
+        </p:style>
+      </p:cxnSp>
+      <p:cxnSp>
+        <p:nvCxnSpPr>
+          <p:cNvPr id="20" name="Straight Connector 19">
+            <a:extLst>
+              <a:ext uri="{FF2B5EF4-FFF2-40B4-BE49-F238E27FC236}">
+                <a16:creationId xmlns:a16="http://schemas.microsoft.com/office/drawing/2014/main" id="{2BE668D0-D906-4EEE-B32F-8C028624B837}"/>
+              </a:ext>
+              <a:ext uri="{C183D7F6-B498-43B3-948B-1728B52AA6E4}">
+                <adec:decorative xmlns:adec="http://schemas.microsoft.com/office/drawing/2017/decorative" val="1"/>
+              </a:ext>
+            </a:extLst>
+          </p:cNvPr>
+          <p:cNvCxnSpPr>
+            <a:cxnSpLocks noGrp="1" noRot="1" noChangeAspect="1" noMove="1" noResize="1" noEditPoints="1" noAdjustHandles="1" noChangeArrowheads="1" noChangeShapeType="1"/>
+          </p:cNvCxnSpPr>
+          <p:nvPr>
+            <p:extLst>
+              <p:ext uri="{386F3935-93C4-4BCD-93E2-E3B085C9AB24}">
+                <p16:designElem xmlns:p16="http://schemas.microsoft.com/office/powerpoint/2015/main" val="1"/>
+              </p:ext>
+            </p:extLst>
+          </p:nvPr>
+        </p:nvCxnSpPr>
+        <p:spPr>
+          <a:xfrm flipH="1">
+            <a:off x="7335837" y="32278"/>
+            <a:ext cx="4852989" cy="4852989"/>
+          </a:xfrm>
+          <a:prstGeom prst="line">
+            <a:avLst/>
+          </a:prstGeom>
+          <a:ln w="31750">
+            <a:solidFill>
+              <a:schemeClr val="tx1"/>
+            </a:solidFill>
+          </a:ln>
+        </p:spPr>
+        <p:style>
+          <a:lnRef idx="2">
+            <a:schemeClr val="accent1"/>
+          </a:lnRef>
+          <a:fillRef idx="0">
+            <a:schemeClr val="accent1"/>
+          </a:fillRef>
+          <a:effectRef idx="1">
+            <a:schemeClr val="accent1"/>
+          </a:effectRef>
+          <a:fontRef idx="minor">
+            <a:schemeClr val="tx1"/>
+          </a:fontRef>
+        </p:style>
+      </p:cxnSp>
+      <p:cxnSp>
+        <p:nvCxnSpPr>
+          <p:cNvPr id="22" name="Straight Connector 21">
+            <a:extLst>
+              <a:ext uri="{FF2B5EF4-FFF2-40B4-BE49-F238E27FC236}">
+                <a16:creationId xmlns:a16="http://schemas.microsoft.com/office/drawing/2014/main" id="{D1DE67A3-B8F6-4CFD-A8E0-D15200F23152}"/>
+              </a:ext>
+              <a:ext uri="{C183D7F6-B498-43B3-948B-1728B52AA6E4}">
+                <adec:decorative xmlns:adec="http://schemas.microsoft.com/office/drawing/2017/decorative" val="1"/>
+              </a:ext>
+            </a:extLst>
+          </p:cNvPr>
+          <p:cNvCxnSpPr>
+            <a:cxnSpLocks noGrp="1" noRot="1" noChangeAspect="1" noMove="1" noResize="1" noEditPoints="1" noAdjustHandles="1" noChangeArrowheads="1" noChangeShapeType="1"/>
+          </p:cNvCxnSpPr>
+          <p:nvPr>
+            <p:extLst>
+              <p:ext uri="{386F3935-93C4-4BCD-93E2-E3B085C9AB24}">
+                <p16:designElem xmlns:p16="http://schemas.microsoft.com/office/powerpoint/2015/main" val="1"/>
+              </p:ext>
+            </p:extLst>
+          </p:nvPr>
+        </p:nvCxnSpPr>
+        <p:spPr>
+          <a:xfrm flipH="1">
+            <a:off x="7845426" y="609601"/>
+            <a:ext cx="4343399" cy="4343399"/>
+          </a:xfrm>
+          <a:prstGeom prst="line">
+            <a:avLst/>
+          </a:prstGeom>
+          <a:ln w="31750">
+            <a:solidFill>
+              <a:schemeClr val="tx1"/>
+            </a:solidFill>
+          </a:ln>
+        </p:spPr>
+        <p:style>
+          <a:lnRef idx="2">
+            <a:schemeClr val="accent1"/>
+          </a:lnRef>
+          <a:fillRef idx="0">
+            <a:schemeClr val="accent1"/>
+          </a:fillRef>
+          <a:effectRef idx="1">
+            <a:schemeClr val="accent1"/>
+          </a:effectRef>
+          <a:fontRef idx="minor">
+            <a:schemeClr val="tx1"/>
+          </a:fontRef>
+        </p:style>
+      </p:cxnSp>
+      <p:sp>
+        <p:nvSpPr>
+          <p:cNvPr id="24" name="Rectangle 23">
+            <a:extLst>
+              <a:ext uri="{FF2B5EF4-FFF2-40B4-BE49-F238E27FC236}">
+                <a16:creationId xmlns:a16="http://schemas.microsoft.com/office/drawing/2014/main" id="{991E317B-75E3-4171-A07A-B263C1D6DCA5}"/>
+              </a:ext>
+              <a:ext uri="{C183D7F6-B498-43B3-948B-1728B52AA6E4}">
+                <adec:decorative xmlns:adec="http://schemas.microsoft.com/office/drawing/2017/decorative" val="1"/>
+              </a:ext>
+            </a:extLst>
+          </p:cNvPr>
+          <p:cNvSpPr>
+            <a:spLocks noGrp="1" noRot="1" noChangeAspect="1" noMove="1" noResize="1" noEditPoints="1" noAdjustHandles="1" noChangeArrowheads="1" noChangeShapeType="1" noTextEdit="1"/>
+          </p:cNvSpPr>
+          <p:nvPr>
+            <p:extLst>
+              <p:ext uri="{386F3935-93C4-4BCD-93E2-E3B085C9AB24}">
+                <p16:designElem xmlns:p16="http://schemas.microsoft.com/office/powerpoint/2015/main" val="1"/>
+              </p:ext>
+            </p:extLst>
+          </p:nvPr>
+        </p:nvSpPr>
+        <p:spPr>
+          <a:xfrm>
+            <a:off x="0" y="0"/>
+            <a:ext cx="12192000" cy="6858000"/>
+          </a:xfrm>
+          <a:prstGeom prst="rect">
+            <a:avLst/>
+          </a:prstGeom>
+          <a:ln>
+            <a:noFill/>
+          </a:ln>
+        </p:spPr>
+        <p:style>
+          <a:lnRef idx="2">
+            <a:schemeClr val="accent1">
+              <a:shade val="50000"/>
+            </a:schemeClr>
+          </a:lnRef>
+          <a:fillRef idx="1002">
+            <a:schemeClr val="dk2"/>
+          </a:fillRef>
+          <a:effectRef idx="0">
+            <a:schemeClr val="accent1"/>
+          </a:effectRef>
+          <a:fontRef idx="minor">
+            <a:schemeClr val="lt1"/>
+          </a:fontRef>
+        </p:style>
+        <p:txBody>
+          <a:bodyPr rtlCol="0" anchor="ctr"/>
+          <a:lstStyle/>
+          <a:p>
+            <a:pPr algn="ctr"/>
+            <a:endParaRPr lang="en-US"/>
+          </a:p>
+        </p:txBody>
+      </p:sp>
+      <p:sp>
+        <p:nvSpPr>
+          <p:cNvPr id="9" name="CaixaDeTexto 8">
+            <a:extLst>
+              <a:ext uri="{FF2B5EF4-FFF2-40B4-BE49-F238E27FC236}">
+                <a16:creationId xmlns:a16="http://schemas.microsoft.com/office/drawing/2014/main" id="{7A02424A-D3F7-49ED-9272-AE38106E51E9}"/>
+              </a:ext>
+            </a:extLst>
+          </p:cNvPr>
+          <p:cNvSpPr txBox="1"/>
+          <p:nvPr/>
+        </p:nvSpPr>
+        <p:spPr>
+          <a:xfrm>
+            <a:off x="7532710" y="628617"/>
+            <a:ext cx="3971902" cy="3028983"/>
+          </a:xfrm>
+          <a:prstGeom prst="rect">
+            <a:avLst/>
+          </a:prstGeom>
+        </p:spPr>
+        <p:txBody>
+          <a:bodyPr vert="horz" lIns="91440" tIns="45720" rIns="91440" bIns="45720" rtlCol="0" anchor="b">
+            <a:normAutofit/>
+          </a:bodyPr>
+          <a:lstStyle/>
+          <a:p>
+            <a:pPr>
+              <a:spcBef>
+                <a:spcPct val="0"/>
+              </a:spcBef>
+              <a:spcAft>
+                <a:spcPts val="600"/>
+              </a:spcAft>
+            </a:pPr>
+            <a:r>
+              <a:rPr lang="en-US" sz="4800" cap="all">
+                <a:ln w="3175" cmpd="sng">
+                  <a:noFill/>
+                </a:ln>
+                <a:solidFill>
+                  <a:srgbClr val="FFFFFF"/>
+                </a:solidFill>
+                <a:latin typeface="+mj-lt"/>
+                <a:ea typeface="+mj-ea"/>
+                <a:cs typeface="+mj-cs"/>
+              </a:rPr>
+              <a:t>produtos</a:t>
+            </a:r>
+          </a:p>
+        </p:txBody>
+      </p:sp>
+      <p:sp useBgFill="1">
+        <p:nvSpPr>
+          <p:cNvPr id="26" name="Snip Diagonal Corner Rectangle 6">
+            <a:extLst>
+              <a:ext uri="{FF2B5EF4-FFF2-40B4-BE49-F238E27FC236}">
+                <a16:creationId xmlns:a16="http://schemas.microsoft.com/office/drawing/2014/main" id="{4A9B19C2-B29A-4924-9E7E-6FBF17F5854E}"/>
+              </a:ext>
+              <a:ext uri="{C183D7F6-B498-43B3-948B-1728B52AA6E4}">
+                <adec:decorative xmlns:adec="http://schemas.microsoft.com/office/drawing/2017/decorative" val="1"/>
+              </a:ext>
+            </a:extLst>
+          </p:cNvPr>
+          <p:cNvSpPr>
+            <a:spLocks noGrp="1" noRot="1" noChangeAspect="1" noMove="1" noResize="1" noEditPoints="1" noAdjustHandles="1" noChangeArrowheads="1" noChangeShapeType="1" noTextEdit="1"/>
+          </p:cNvSpPr>
+          <p:nvPr>
+            <p:extLst>
+              <p:ext uri="{386F3935-93C4-4BCD-93E2-E3B085C9AB24}">
+                <p16:designElem xmlns:p16="http://schemas.microsoft.com/office/powerpoint/2015/main" val="1"/>
+              </p:ext>
+            </p:extLst>
+          </p:nvPr>
+        </p:nvSpPr>
+        <p:spPr>
+          <a:xfrm>
+            <a:off x="634000" y="620722"/>
+            <a:ext cx="6418778" cy="5286838"/>
+          </a:xfrm>
+          <a:prstGeom prst="snip2DiagRect">
+            <a:avLst>
+              <a:gd name="adj1" fmla="val 10973"/>
+              <a:gd name="adj2" fmla="val 0"/>
+            </a:avLst>
+          </a:prstGeom>
+          <a:ln>
+            <a:noFill/>
+          </a:ln>
+          <a:effectLst>
+            <a:innerShdw blurRad="57150" dist="38100" dir="14460000">
+              <a:prstClr val="black">
+                <a:alpha val="70000"/>
+              </a:prstClr>
+            </a:innerShdw>
+          </a:effectLst>
+        </p:spPr>
+        <p:style>
+          <a:lnRef idx="2">
+            <a:schemeClr val="accent1">
+              <a:shade val="50000"/>
+            </a:schemeClr>
+          </a:lnRef>
+          <a:fillRef idx="1">
+            <a:schemeClr val="accent1"/>
+          </a:fillRef>
+          <a:effectRef idx="0">
+            <a:schemeClr val="accent1"/>
+          </a:effectRef>
+          <a:fontRef idx="minor">
+            <a:schemeClr val="lt1"/>
+          </a:fontRef>
+        </p:style>
+        <p:txBody>
+          <a:bodyPr rtlCol="0" anchor="ctr"/>
+          <a:lstStyle/>
+          <a:p>
+            <a:pPr algn="ctr"/>
+            <a:endParaRPr lang="en-US"/>
+          </a:p>
+        </p:txBody>
+      </p:sp>
+      <p:pic>
+        <p:nvPicPr>
+          <p:cNvPr id="3" name="Imagem 2">
+            <a:extLst>
+              <a:ext uri="{FF2B5EF4-FFF2-40B4-BE49-F238E27FC236}">
+                <a16:creationId xmlns:a16="http://schemas.microsoft.com/office/drawing/2014/main" id="{BAC64EEA-0C6B-477F-AE3A-1880942547E5}"/>
+              </a:ext>
+            </a:extLst>
+          </p:cNvPr>
+          <p:cNvPicPr>
+            <a:picLocks noChangeAspect="1"/>
+          </p:cNvPicPr>
+          <p:nvPr/>
+        </p:nvPicPr>
+        <p:blipFill>
+          <a:blip r:embed="rId2"/>
+          <a:stretch>
+            <a:fillRect/>
+          </a:stretch>
+        </p:blipFill>
+        <p:spPr>
+          <a:xfrm>
+            <a:off x="1101217" y="2569210"/>
+            <a:ext cx="5450437" cy="1389861"/>
+          </a:xfrm>
+          <a:prstGeom prst="rect">
+            <a:avLst/>
+          </a:prstGeom>
+        </p:spPr>
+      </p:pic>
+      <p:grpSp>
+        <p:nvGrpSpPr>
+          <p:cNvPr id="28" name="Group 27">
+            <a:extLst>
+              <a:ext uri="{FF2B5EF4-FFF2-40B4-BE49-F238E27FC236}">
+                <a16:creationId xmlns:a16="http://schemas.microsoft.com/office/drawing/2014/main" id="{34C85634-D5F5-4047-8F35-F4B1F50AB1A7}"/>
+              </a:ext>
+              <a:ext uri="{C183D7F6-B498-43B3-948B-1728B52AA6E4}">
+                <adec:decorative xmlns:adec="http://schemas.microsoft.com/office/drawing/2017/decorative" val="1"/>
+              </a:ext>
+            </a:extLst>
+          </p:cNvPr>
+          <p:cNvGrpSpPr>
+            <a:grpSpLocks noGrp="1" noUngrp="1" noRot="1" noChangeAspect="1" noMove="1" noResize="1"/>
+          </p:cNvGrpSpPr>
+          <p:nvPr>
+            <p:extLst>
+              <p:ext uri="{386F3935-93C4-4BCD-93E2-E3B085C9AB24}">
+                <p16:designElem xmlns:p16="http://schemas.microsoft.com/office/powerpoint/2015/main" val="1"/>
+              </p:ext>
+            </p:extLst>
+          </p:nvPr>
+        </p:nvGrpSpPr>
+        <p:grpSpPr>
+          <a:xfrm>
+            <a:off x="9206969" y="2963333"/>
+            <a:ext cx="2981858" cy="3208867"/>
+            <a:chOff x="9206969" y="2963333"/>
+            <a:chExt cx="2981858" cy="3208867"/>
+          </a:xfrm>
+        </p:grpSpPr>
+        <p:cxnSp>
+          <p:nvCxnSpPr>
+            <p:cNvPr id="29" name="Straight Connector 28">
+              <a:extLst>
+                <a:ext uri="{FF2B5EF4-FFF2-40B4-BE49-F238E27FC236}">
+                  <a16:creationId xmlns:a16="http://schemas.microsoft.com/office/drawing/2014/main" id="{1224BF71-948F-411D-AA79-8B2315715197}"/>
+                </a:ext>
+                <a:ext uri="{C183D7F6-B498-43B3-948B-1728B52AA6E4}">
+                  <adec:decorative xmlns:adec="http://schemas.microsoft.com/office/drawing/2017/decorative" val="1"/>
+                </a:ext>
+              </a:extLst>
+            </p:cNvPr>
+            <p:cNvCxnSpPr/>
+            <p:nvPr>
+              <p:extLst>
+                <p:ext uri="{386F3935-93C4-4BCD-93E2-E3B085C9AB24}">
+                  <p16:designElem xmlns:p16="http://schemas.microsoft.com/office/powerpoint/2015/main" val="1"/>
+                </p:ext>
+              </p:extLst>
+            </p:nvPr>
+          </p:nvCxnSpPr>
+          <p:spPr>
+            <a:xfrm flipH="1">
+              <a:off x="11276012" y="2963333"/>
+              <a:ext cx="912814" cy="912812"/>
+            </a:xfrm>
+            <a:prstGeom prst="line">
+              <a:avLst/>
+            </a:prstGeom>
+            <a:ln w="9525">
+              <a:solidFill>
+                <a:srgbClr val="FFFFFF"/>
+              </a:solidFill>
+            </a:ln>
+          </p:spPr>
+          <p:style>
+            <a:lnRef idx="2">
+              <a:schemeClr val="accent1"/>
+            </a:lnRef>
+            <a:fillRef idx="0">
+              <a:schemeClr val="accent1"/>
+            </a:fillRef>
+            <a:effectRef idx="1">
+              <a:schemeClr val="accent1"/>
+            </a:effectRef>
+            <a:fontRef idx="minor">
+              <a:schemeClr val="tx1"/>
+            </a:fontRef>
+          </p:style>
+        </p:cxnSp>
+        <p:cxnSp>
+          <p:nvCxnSpPr>
+            <p:cNvPr id="30" name="Straight Connector 29">
+              <a:extLst>
+                <a:ext uri="{FF2B5EF4-FFF2-40B4-BE49-F238E27FC236}">
+                  <a16:creationId xmlns:a16="http://schemas.microsoft.com/office/drawing/2014/main" id="{434B4526-E715-4199-A597-CD757CB4A026}"/>
+                </a:ext>
+                <a:ext uri="{C183D7F6-B498-43B3-948B-1728B52AA6E4}">
+                  <adec:decorative xmlns:adec="http://schemas.microsoft.com/office/drawing/2017/decorative" val="1"/>
+                </a:ext>
+              </a:extLst>
+            </p:cNvPr>
+            <p:cNvCxnSpPr/>
+            <p:nvPr>
+              <p:extLst>
+                <p:ext uri="{386F3935-93C4-4BCD-93E2-E3B085C9AB24}">
+                  <p16:designElem xmlns:p16="http://schemas.microsoft.com/office/powerpoint/2015/main" val="1"/>
+                </p:ext>
+              </p:extLst>
+            </p:nvPr>
+          </p:nvCxnSpPr>
+          <p:spPr>
+            <a:xfrm flipH="1">
+              <a:off x="9206969" y="3190344"/>
+              <a:ext cx="2981857" cy="2981856"/>
+            </a:xfrm>
+            <a:prstGeom prst="line">
+              <a:avLst/>
+            </a:prstGeom>
+            <a:ln w="9525">
+              <a:solidFill>
+                <a:srgbClr val="FFFFFF"/>
+              </a:solidFill>
+            </a:ln>
+          </p:spPr>
+          <p:style>
+            <a:lnRef idx="2">
+              <a:schemeClr val="accent1"/>
+            </a:lnRef>
+            <a:fillRef idx="0">
+              <a:schemeClr val="accent1"/>
+            </a:fillRef>
+            <a:effectRef idx="1">
+              <a:schemeClr val="accent1"/>
+            </a:effectRef>
+            <a:fontRef idx="minor">
+              <a:schemeClr val="tx1"/>
+            </a:fontRef>
+          </p:style>
+        </p:cxnSp>
+        <p:cxnSp>
+          <p:nvCxnSpPr>
+            <p:cNvPr id="31" name="Straight Connector 30">
+              <a:extLst>
+                <a:ext uri="{FF2B5EF4-FFF2-40B4-BE49-F238E27FC236}">
+                  <a16:creationId xmlns:a16="http://schemas.microsoft.com/office/drawing/2014/main" id="{35E295A6-48D5-4F9E-A32C-5D87EAA5E7E7}"/>
+                </a:ext>
+                <a:ext uri="{C183D7F6-B498-43B3-948B-1728B52AA6E4}">
+                  <adec:decorative xmlns:adec="http://schemas.microsoft.com/office/drawing/2017/decorative" val="1"/>
+                </a:ext>
+              </a:extLst>
+            </p:cNvPr>
+            <p:cNvCxnSpPr/>
+            <p:nvPr>
+              <p:extLst>
+                <p:ext uri="{386F3935-93C4-4BCD-93E2-E3B085C9AB24}">
+                  <p16:designElem xmlns:p16="http://schemas.microsoft.com/office/powerpoint/2015/main" val="1"/>
+                </p:ext>
+              </p:extLst>
+            </p:nvPr>
+          </p:nvCxnSpPr>
+          <p:spPr>
+            <a:xfrm flipH="1">
+              <a:off x="10292292" y="3285067"/>
+              <a:ext cx="1896534" cy="1896533"/>
+            </a:xfrm>
+            <a:prstGeom prst="line">
+              <a:avLst/>
+            </a:prstGeom>
+            <a:ln w="9525">
+              <a:solidFill>
+                <a:srgbClr val="FFFFFF"/>
+              </a:solidFill>
+            </a:ln>
+          </p:spPr>
+          <p:style>
+            <a:lnRef idx="2">
+              <a:schemeClr val="accent1"/>
+            </a:lnRef>
+            <a:fillRef idx="0">
+              <a:schemeClr val="accent1"/>
+            </a:fillRef>
+            <a:effectRef idx="1">
+              <a:schemeClr val="accent1"/>
+            </a:effectRef>
+            <a:fontRef idx="minor">
+              <a:schemeClr val="tx1"/>
+            </a:fontRef>
+          </p:style>
+        </p:cxnSp>
+        <p:cxnSp>
+          <p:nvCxnSpPr>
+            <p:cNvPr id="32" name="Straight Connector 31">
+              <a:extLst>
+                <a:ext uri="{FF2B5EF4-FFF2-40B4-BE49-F238E27FC236}">
+                  <a16:creationId xmlns:a16="http://schemas.microsoft.com/office/drawing/2014/main" id="{E10BF5B3-9260-4D36-BB24-07BC414B9D49}"/>
+                </a:ext>
+                <a:ext uri="{C183D7F6-B498-43B3-948B-1728B52AA6E4}">
+                  <adec:decorative xmlns:adec="http://schemas.microsoft.com/office/drawing/2017/decorative" val="1"/>
+                </a:ext>
+              </a:extLst>
+            </p:cNvPr>
+            <p:cNvCxnSpPr/>
+            <p:nvPr>
+              <p:extLst>
+                <p:ext uri="{386F3935-93C4-4BCD-93E2-E3B085C9AB24}">
+                  <p16:designElem xmlns:p16="http://schemas.microsoft.com/office/powerpoint/2015/main" val="1"/>
+                </p:ext>
+              </p:extLst>
+            </p:nvPr>
+          </p:nvCxnSpPr>
+          <p:spPr>
+            <a:xfrm flipH="1">
+              <a:off x="10443103" y="3131080"/>
+              <a:ext cx="1745722" cy="1745720"/>
+            </a:xfrm>
+            <a:prstGeom prst="line">
+              <a:avLst/>
+            </a:prstGeom>
+            <a:ln w="28575">
+              <a:solidFill>
+                <a:srgbClr val="FFFFFF"/>
+              </a:solidFill>
+            </a:ln>
+          </p:spPr>
+          <p:style>
+            <a:lnRef idx="2">
+              <a:schemeClr val="accent1"/>
+            </a:lnRef>
+            <a:fillRef idx="0">
+              <a:schemeClr val="accent1"/>
+            </a:fillRef>
+            <a:effectRef idx="1">
+              <a:schemeClr val="accent1"/>
+            </a:effectRef>
+            <a:fontRef idx="minor">
+              <a:schemeClr val="tx1"/>
+            </a:fontRef>
+          </p:style>
+        </p:cxnSp>
+        <p:cxnSp>
+          <p:nvCxnSpPr>
+            <p:cNvPr id="33" name="Straight Connector 32">
+              <a:extLst>
+                <a:ext uri="{FF2B5EF4-FFF2-40B4-BE49-F238E27FC236}">
+                  <a16:creationId xmlns:a16="http://schemas.microsoft.com/office/drawing/2014/main" id="{AAE0C886-FA2E-4E7C-BC00-8397AAEC865E}"/>
+                </a:ext>
+                <a:ext uri="{C183D7F6-B498-43B3-948B-1728B52AA6E4}">
+                  <adec:decorative xmlns:adec="http://schemas.microsoft.com/office/drawing/2017/decorative" val="1"/>
+                </a:ext>
+              </a:extLst>
+            </p:cNvPr>
+            <p:cNvCxnSpPr/>
+            <p:nvPr>
+              <p:extLst>
+                <p:ext uri="{386F3935-93C4-4BCD-93E2-E3B085C9AB24}">
+                  <p16:designElem xmlns:p16="http://schemas.microsoft.com/office/powerpoint/2015/main" val="1"/>
+                </p:ext>
+              </p:extLst>
+            </p:nvPr>
+          </p:nvCxnSpPr>
+          <p:spPr>
+            <a:xfrm flipH="1">
+              <a:off x="10918826" y="3683001"/>
+              <a:ext cx="1270001" cy="1269999"/>
+            </a:xfrm>
+            <a:prstGeom prst="line">
+              <a:avLst/>
+            </a:prstGeom>
+            <a:ln w="28575">
+              <a:solidFill>
+                <a:srgbClr val="FFFFFF"/>
+              </a:solidFill>
+            </a:ln>
+          </p:spPr>
+          <p:style>
+            <a:lnRef idx="2">
+              <a:schemeClr val="accent1"/>
+            </a:lnRef>
+            <a:fillRef idx="0">
+              <a:schemeClr val="accent1"/>
+            </a:fillRef>
+            <a:effectRef idx="1">
+              <a:schemeClr val="accent1"/>
+            </a:effectRef>
+            <a:fontRef idx="minor">
+              <a:schemeClr val="tx1"/>
+            </a:fontRef>
+          </p:style>
+        </p:cxnSp>
+      </p:grpSp>
+    </p:spTree>
+    <p:extLst>
+      <p:ext uri="{BB962C8B-B14F-4D97-AF65-F5344CB8AC3E}">
+        <p14:creationId xmlns:p14="http://schemas.microsoft.com/office/powerpoint/2010/main" val="3461144185"/>
+      </p:ext>
+    </p:extLst>
+  </p:cSld>
+  <p:clrMapOvr>
+    <a:overrideClrMapping bg1="lt1" tx1="dk1" bg2="lt2" tx2="dk2" accent1="accent1" accent2="accent2" accent3="accent3" accent4="accent4" accent5="accent5" accent6="accent6" hlink="hlink" folHlink="folHlink"/>
+  </p:clrMapOvr>
+</p:sld>
+</file>
+
+<file path=ppt/slides/slide4.xml><?xml version="1.0" encoding="utf-8"?>
+<p:sld xmlns:a="http://schemas.openxmlformats.org/drawingml/2006/main" xmlns:r="http://schemas.openxmlformats.org/officeDocument/2006/relationships" xmlns:p="http://schemas.openxmlformats.org/presentationml/2006/main">
+  <p:cSld>
     <p:spTree>
       <p:nvGrpSpPr>
         <p:cNvPr id="1" name=""/>
@@ -6144,132 +7124,7 @@
     </p:spTree>
     <p:extLst>
       <p:ext uri="{BB962C8B-B14F-4D97-AF65-F5344CB8AC3E}">
-        <p14:creationId xmlns:p14="http://schemas.microsoft.com/office/powerpoint/2010/main" val="3461144185"/>
-      </p:ext>
-    </p:extLst>
-  </p:cSld>
-  <p:clrMapOvr>
-    <a:masterClrMapping/>
-  </p:clrMapOvr>
-</p:sld>
-</file>
-
-<file path=ppt/slides/slide4.xml><?xml version="1.0" encoding="utf-8"?>
-<p:sld xmlns:a="http://schemas.openxmlformats.org/drawingml/2006/main" xmlns:r="http://schemas.openxmlformats.org/officeDocument/2006/relationships" xmlns:p="http://schemas.openxmlformats.org/presentationml/2006/main">
-  <p:cSld>
-    <p:spTree>
-      <p:nvGrpSpPr>
-        <p:cNvPr id="1" name=""/>
-        <p:cNvGrpSpPr/>
-        <p:nvPr/>
-      </p:nvGrpSpPr>
-      <p:grpSpPr>
-        <a:xfrm>
-          <a:off x="0" y="0"/>
-          <a:ext cx="0" cy="0"/>
-          <a:chOff x="0" y="0"/>
-          <a:chExt cx="0" cy="0"/>
-        </a:xfrm>
-      </p:grpSpPr>
-      <p:sp>
-        <p:nvSpPr>
-          <p:cNvPr id="9" name="CaixaDeTexto 8">
-            <a:extLst>
-              <a:ext uri="{FF2B5EF4-FFF2-40B4-BE49-F238E27FC236}">
-                <a16:creationId xmlns:a16="http://schemas.microsoft.com/office/drawing/2014/main" id="{7A02424A-D3F7-49ED-9272-AE38106E51E9}"/>
-              </a:ext>
-            </a:extLst>
-          </p:cNvPr>
-          <p:cNvSpPr txBox="1"/>
-          <p:nvPr/>
-        </p:nvSpPr>
-        <p:spPr>
-          <a:xfrm>
-            <a:off x="3953055" y="734194"/>
-            <a:ext cx="3172663" cy="923330"/>
-          </a:xfrm>
-          <a:prstGeom prst="rect">
-            <a:avLst/>
-          </a:prstGeom>
-          <a:noFill/>
-        </p:spPr>
-        <p:txBody>
-          <a:bodyPr wrap="none" rtlCol="0">
-            <a:spAutoFit/>
-          </a:bodyPr>
-          <a:lstStyle/>
-          <a:p>
-            <a:r>
-              <a:rPr lang="pt-BR" sz="5400" dirty="0"/>
-              <a:t>produtos</a:t>
-            </a:r>
-          </a:p>
-        </p:txBody>
-      </p:sp>
-      <p:pic>
-        <p:nvPicPr>
-          <p:cNvPr id="2" name="Imagem 1">
-            <a:extLst>
-              <a:ext uri="{FF2B5EF4-FFF2-40B4-BE49-F238E27FC236}">
-                <a16:creationId xmlns:a16="http://schemas.microsoft.com/office/drawing/2014/main" id="{DF60390D-90FB-4895-B8EE-A72E4F66F830}"/>
-              </a:ext>
-            </a:extLst>
-          </p:cNvPr>
-          <p:cNvPicPr>
-            <a:picLocks noChangeAspect="1"/>
-          </p:cNvPicPr>
-          <p:nvPr/>
-        </p:nvPicPr>
-        <p:blipFill>
-          <a:blip r:embed="rId2"/>
-          <a:stretch>
-            <a:fillRect/>
-          </a:stretch>
-        </p:blipFill>
-        <p:spPr>
-          <a:xfrm>
-            <a:off x="1059765" y="1878740"/>
-            <a:ext cx="5106143" cy="4701696"/>
-          </a:xfrm>
-          <a:prstGeom prst="rect">
-            <a:avLst/>
-          </a:prstGeom>
-        </p:spPr>
-      </p:pic>
-      <p:pic>
-        <p:nvPicPr>
-          <p:cNvPr id="3" name="Imagem 2">
-            <a:extLst>
-              <a:ext uri="{FF2B5EF4-FFF2-40B4-BE49-F238E27FC236}">
-                <a16:creationId xmlns:a16="http://schemas.microsoft.com/office/drawing/2014/main" id="{A68890A2-D966-41BD-82DC-BBB3AA147A53}"/>
-              </a:ext>
-            </a:extLst>
-          </p:cNvPr>
-          <p:cNvPicPr>
-            <a:picLocks noChangeAspect="1"/>
-          </p:cNvPicPr>
-          <p:nvPr/>
-        </p:nvPicPr>
-        <p:blipFill>
-          <a:blip r:embed="rId3"/>
-          <a:stretch>
-            <a:fillRect/>
-          </a:stretch>
-        </p:blipFill>
-        <p:spPr>
-          <a:xfrm>
-            <a:off x="6555267" y="2867767"/>
-            <a:ext cx="5332152" cy="1251227"/>
-          </a:xfrm>
-          <a:prstGeom prst="rect">
-            <a:avLst/>
-          </a:prstGeom>
-        </p:spPr>
-      </p:pic>
-    </p:spTree>
-    <p:extLst>
-      <p:ext uri="{BB962C8B-B14F-4D97-AF65-F5344CB8AC3E}">
-        <p14:creationId xmlns:p14="http://schemas.microsoft.com/office/powerpoint/2010/main" val="2030909805"/>
+        <p14:creationId xmlns:p14="http://schemas.microsoft.com/office/powerpoint/2010/main" val="3782844463"/>
       </p:ext>
     </p:extLst>
   </p:cSld>
@@ -6333,10 +7188,10 @@
       </p:sp>
       <p:pic>
         <p:nvPicPr>
-          <p:cNvPr id="5" name="Imagem 4">
+          <p:cNvPr id="7" name="Imagem 6">
             <a:extLst>
               <a:ext uri="{FF2B5EF4-FFF2-40B4-BE49-F238E27FC236}">
-                <a16:creationId xmlns:a16="http://schemas.microsoft.com/office/drawing/2014/main" id="{9493B9E2-7ADC-4497-B7CB-8494755AE9D8}"/>
+                <a16:creationId xmlns:a16="http://schemas.microsoft.com/office/drawing/2014/main" id="{E5797BBA-2F4F-43CA-9ACF-455814C7F2D6}"/>
               </a:ext>
             </a:extLst>
           </p:cNvPr>
@@ -6353,170 +7208,18 @@
         </p:blipFill>
         <p:spPr>
           <a:xfrm>
-            <a:off x="436228" y="2093711"/>
-            <a:ext cx="8142668" cy="3099075"/>
+            <a:off x="1200150" y="2552754"/>
+            <a:ext cx="9791700" cy="2314575"/>
           </a:xfrm>
           <a:prstGeom prst="rect">
             <a:avLst/>
           </a:prstGeom>
         </p:spPr>
       </p:pic>
-      <p:sp>
-        <p:nvSpPr>
-          <p:cNvPr id="6" name="Retângulo 5">
-            <a:extLst>
-              <a:ext uri="{FF2B5EF4-FFF2-40B4-BE49-F238E27FC236}">
-                <a16:creationId xmlns:a16="http://schemas.microsoft.com/office/drawing/2014/main" id="{112EC810-22DD-4722-9AF0-C2986C1BB34A}"/>
-              </a:ext>
-            </a:extLst>
-          </p:cNvPr>
-          <p:cNvSpPr/>
-          <p:nvPr/>
-        </p:nvSpPr>
-        <p:spPr>
-          <a:xfrm>
-            <a:off x="8828015" y="2361563"/>
-            <a:ext cx="3243743" cy="2308324"/>
-          </a:xfrm>
-          <a:prstGeom prst="rect">
-            <a:avLst/>
-          </a:prstGeom>
-        </p:spPr>
-        <p:txBody>
-          <a:bodyPr wrap="square">
-            <a:spAutoFit/>
-          </a:bodyPr>
-          <a:lstStyle/>
-          <a:p>
-            <a:r>
-              <a:rPr lang="pt-BR" dirty="0" err="1"/>
-              <a:t>alter</a:t>
-            </a:r>
-            <a:r>
-              <a:rPr lang="pt-BR" dirty="0"/>
-              <a:t> </a:t>
-            </a:r>
-            <a:r>
-              <a:rPr lang="pt-BR" dirty="0" err="1"/>
-              <a:t>table</a:t>
-            </a:r>
-            <a:r>
-              <a:rPr lang="pt-BR" dirty="0"/>
-              <a:t> produtos </a:t>
-            </a:r>
-            <a:r>
-              <a:rPr lang="pt-BR" dirty="0" err="1"/>
-              <a:t>add</a:t>
-            </a:r>
-            <a:r>
-              <a:rPr lang="pt-BR" dirty="0"/>
-              <a:t> </a:t>
-            </a:r>
-            <a:r>
-              <a:rPr lang="pt-BR" dirty="0" err="1"/>
-              <a:t>descricao</a:t>
-            </a:r>
-            <a:r>
-              <a:rPr lang="pt-BR" dirty="0"/>
-              <a:t> </a:t>
-            </a:r>
-            <a:r>
-              <a:rPr lang="pt-BR" dirty="0" err="1"/>
-              <a:t>text</a:t>
-            </a:r>
-            <a:r>
-              <a:rPr lang="pt-BR" dirty="0"/>
-              <a:t>;</a:t>
-            </a:r>
-          </a:p>
-          <a:p>
-            <a:endParaRPr lang="pt-BR" dirty="0"/>
-          </a:p>
-          <a:p>
-            <a:r>
-              <a:rPr lang="pt-BR" dirty="0" err="1"/>
-              <a:t>alter</a:t>
-            </a:r>
-            <a:r>
-              <a:rPr lang="pt-BR" dirty="0"/>
-              <a:t> </a:t>
-            </a:r>
-            <a:r>
-              <a:rPr lang="pt-BR" dirty="0" err="1"/>
-              <a:t>table</a:t>
-            </a:r>
-            <a:r>
-              <a:rPr lang="pt-BR" dirty="0"/>
-              <a:t> produtos </a:t>
-            </a:r>
-            <a:r>
-              <a:rPr lang="pt-BR" dirty="0" err="1"/>
-              <a:t>add</a:t>
-            </a:r>
-            <a:r>
-              <a:rPr lang="pt-BR" dirty="0"/>
-              <a:t> valor </a:t>
-            </a:r>
-            <a:r>
-              <a:rPr lang="pt-BR" dirty="0" err="1"/>
-              <a:t>float</a:t>
-            </a:r>
-            <a:r>
-              <a:rPr lang="pt-BR" dirty="0"/>
-              <a:t>;</a:t>
-            </a:r>
-          </a:p>
-          <a:p>
-            <a:endParaRPr lang="pt-BR" dirty="0"/>
-          </a:p>
-          <a:p>
-            <a:r>
-              <a:rPr lang="pt-BR" dirty="0" err="1"/>
-              <a:t>alter</a:t>
-            </a:r>
-            <a:r>
-              <a:rPr lang="pt-BR" dirty="0"/>
-              <a:t> </a:t>
-            </a:r>
-            <a:r>
-              <a:rPr lang="pt-BR" dirty="0" err="1"/>
-              <a:t>table</a:t>
-            </a:r>
-            <a:r>
-              <a:rPr lang="pt-BR" dirty="0"/>
-              <a:t> produtos </a:t>
-            </a:r>
-            <a:r>
-              <a:rPr lang="pt-BR" dirty="0" err="1"/>
-              <a:t>add</a:t>
-            </a:r>
-            <a:r>
-              <a:rPr lang="pt-BR" dirty="0"/>
-              <a:t> </a:t>
-            </a:r>
-            <a:r>
-              <a:rPr lang="pt-BR" dirty="0" err="1"/>
-              <a:t>observacao</a:t>
-            </a:r>
-            <a:r>
-              <a:rPr lang="pt-BR" dirty="0"/>
-              <a:t> </a:t>
-            </a:r>
-            <a:r>
-              <a:rPr lang="pt-BR" dirty="0" err="1"/>
-              <a:t>varchar</a:t>
-            </a:r>
-            <a:r>
-              <a:rPr lang="pt-BR" dirty="0"/>
-              <a:t>(80);</a:t>
-            </a:r>
-          </a:p>
-        </p:txBody>
-      </p:sp>
     </p:spTree>
     <p:extLst>
       <p:ext uri="{BB962C8B-B14F-4D97-AF65-F5344CB8AC3E}">
-        <p14:creationId xmlns:p14="http://schemas.microsoft.com/office/powerpoint/2010/main" val="3451884108"/>
+        <p14:creationId xmlns:p14="http://schemas.microsoft.com/office/powerpoint/2010/main" val="2030909805"/>
       </p:ext>
     </p:extLst>
   </p:cSld>
@@ -6557,7 +7260,7 @@
         </p:nvSpPr>
         <p:spPr>
           <a:xfrm>
-            <a:off x="3953055" y="734194"/>
+            <a:off x="4123537" y="428715"/>
             <a:ext cx="3172663" cy="923330"/>
           </a:xfrm>
           <a:prstGeom prst="rect">
@@ -6574,78 +7277,6 @@
             <a:r>
               <a:rPr lang="pt-BR" sz="5400" dirty="0"/>
               <a:t>produtos</a:t>
-            </a:r>
-          </a:p>
-        </p:txBody>
-      </p:sp>
-      <p:sp>
-        <p:nvSpPr>
-          <p:cNvPr id="6" name="Retângulo 5">
-            <a:extLst>
-              <a:ext uri="{FF2B5EF4-FFF2-40B4-BE49-F238E27FC236}">
-                <a16:creationId xmlns:a16="http://schemas.microsoft.com/office/drawing/2014/main" id="{112EC810-22DD-4722-9AF0-C2986C1BB34A}"/>
-              </a:ext>
-            </a:extLst>
-          </p:cNvPr>
-          <p:cNvSpPr/>
-          <p:nvPr/>
-        </p:nvSpPr>
-        <p:spPr>
-          <a:xfrm>
-            <a:off x="8408566" y="3208851"/>
-            <a:ext cx="3243743" cy="646331"/>
-          </a:xfrm>
-          <a:prstGeom prst="rect">
-            <a:avLst/>
-          </a:prstGeom>
-        </p:spPr>
-        <p:txBody>
-          <a:bodyPr wrap="square">
-            <a:spAutoFit/>
-          </a:bodyPr>
-          <a:lstStyle/>
-          <a:p>
-            <a:r>
-              <a:rPr lang="pt-BR" dirty="0" err="1"/>
-              <a:t>alter</a:t>
-            </a:r>
-            <a:r>
-              <a:rPr lang="pt-BR" dirty="0"/>
-              <a:t> </a:t>
-            </a:r>
-            <a:r>
-              <a:rPr lang="pt-BR" dirty="0" err="1"/>
-              <a:t>table</a:t>
-            </a:r>
-            <a:r>
-              <a:rPr lang="pt-BR" dirty="0"/>
-              <a:t> produtos</a:t>
-            </a:r>
-          </a:p>
-          <a:p>
-            <a:r>
-              <a:rPr lang="pt-BR" dirty="0" err="1"/>
-              <a:t>drop</a:t>
-            </a:r>
-            <a:r>
-              <a:rPr lang="pt-BR" dirty="0"/>
-              <a:t> </a:t>
-            </a:r>
-            <a:r>
-              <a:rPr lang="pt-BR" dirty="0" err="1"/>
-              <a:t>column</a:t>
-            </a:r>
-            <a:r>
-              <a:rPr lang="pt-BR" dirty="0"/>
-              <a:t> </a:t>
-            </a:r>
-            <a:r>
-              <a:rPr lang="pt-BR" dirty="0" err="1"/>
-              <a:t>descricao</a:t>
-            </a:r>
-            <a:r>
-              <a:rPr lang="pt-BR" dirty="0"/>
-              <a:t>;</a:t>
             </a:r>
           </a:p>
         </p:txBody>
@@ -6655,7 +7286,7 @@
           <p:cNvPr id="2" name="Imagem 1">
             <a:extLst>
               <a:ext uri="{FF2B5EF4-FFF2-40B4-BE49-F238E27FC236}">
-                <a16:creationId xmlns:a16="http://schemas.microsoft.com/office/drawing/2014/main" id="{FACF22DB-DAE5-4D4D-943D-F5DAB05AA8DE}"/>
+                <a16:creationId xmlns:a16="http://schemas.microsoft.com/office/drawing/2014/main" id="{DF60390D-90FB-4895-B8EE-A72E4F66F830}"/>
               </a:ext>
             </a:extLst>
           </p:cNvPr>
@@ -6672,8 +7303,8 @@
         </p:blipFill>
         <p:spPr>
           <a:xfrm>
-            <a:off x="1074227" y="2361563"/>
-            <a:ext cx="6436661" cy="2780888"/>
+            <a:off x="3956557" y="2924103"/>
+            <a:ext cx="3806703" cy="3505182"/>
           </a:xfrm>
           <a:prstGeom prst="rect">
             <a:avLst/>
@@ -6682,10 +7313,10 @@
       </p:pic>
       <p:pic>
         <p:nvPicPr>
-          <p:cNvPr id="3" name="Imagem 2">
+          <p:cNvPr id="5" name="Imagem 4">
             <a:extLst>
               <a:ext uri="{FF2B5EF4-FFF2-40B4-BE49-F238E27FC236}">
-                <a16:creationId xmlns:a16="http://schemas.microsoft.com/office/drawing/2014/main" id="{BA4CA5AA-0CAA-4D48-8C4C-21AB318B52E2}"/>
+                <a16:creationId xmlns:a16="http://schemas.microsoft.com/office/drawing/2014/main" id="{7EE41D00-56FA-4C27-BA2A-57B0EB22E295}"/>
               </a:ext>
             </a:extLst>
           </p:cNvPr>
@@ -6702,8 +7333,8 @@
         </p:blipFill>
         <p:spPr>
           <a:xfrm>
-            <a:off x="7754613" y="4203642"/>
-            <a:ext cx="4082946" cy="1366157"/>
+            <a:off x="3380469" y="1446824"/>
+            <a:ext cx="5219700" cy="1352550"/>
           </a:xfrm>
           <a:prstGeom prst="rect">
             <a:avLst/>
@@ -6713,7 +7344,7 @@
     </p:spTree>
     <p:extLst>
       <p:ext uri="{BB962C8B-B14F-4D97-AF65-F5344CB8AC3E}">
-        <p14:creationId xmlns:p14="http://schemas.microsoft.com/office/powerpoint/2010/main" val="4148188162"/>
+        <p14:creationId xmlns:p14="http://schemas.microsoft.com/office/powerpoint/2010/main" val="2725895998"/>
       </p:ext>
     </p:extLst>
   </p:cSld>
@@ -6754,7 +7385,7 @@
         </p:nvSpPr>
         <p:spPr>
           <a:xfrm>
-            <a:off x="3953055" y="734194"/>
+            <a:off x="4123537" y="428715"/>
             <a:ext cx="3172663" cy="923330"/>
           </a:xfrm>
           <a:prstGeom prst="rect">
@@ -6775,70 +7406,312 @@
           </a:p>
         </p:txBody>
       </p:sp>
-      <p:sp>
-        <p:nvSpPr>
-          <p:cNvPr id="6" name="Retângulo 5">
+      <p:pic>
+        <p:nvPicPr>
+          <p:cNvPr id="7" name="Imagem 6">
             <a:extLst>
               <a:ext uri="{FF2B5EF4-FFF2-40B4-BE49-F238E27FC236}">
-                <a16:creationId xmlns:a16="http://schemas.microsoft.com/office/drawing/2014/main" id="{112EC810-22DD-4722-9AF0-C2986C1BB34A}"/>
+                <a16:creationId xmlns:a16="http://schemas.microsoft.com/office/drawing/2014/main" id="{993EA042-7DD6-4A2B-9A85-1B1B4C8F1F1D}"/>
               </a:ext>
             </a:extLst>
           </p:cNvPr>
-          <p:cNvSpPr/>
+          <p:cNvPicPr>
+            <a:picLocks noChangeAspect="1"/>
+          </p:cNvPicPr>
           <p:nvPr/>
-        </p:nvSpPr>
+        </p:nvPicPr>
+        <p:blipFill>
+          <a:blip r:embed="rId2"/>
+          <a:stretch>
+            <a:fillRect/>
+          </a:stretch>
+        </p:blipFill>
         <p:spPr>
           <a:xfrm>
-            <a:off x="6913728" y="2505670"/>
-            <a:ext cx="4943055" cy="646331"/>
+            <a:off x="2768863" y="2160717"/>
+            <a:ext cx="6267450" cy="790575"/>
           </a:xfrm>
           <a:prstGeom prst="rect">
             <a:avLst/>
           </a:prstGeom>
         </p:spPr>
-        <p:txBody>
-          <a:bodyPr wrap="square">
+      </p:pic>
+      <p:pic>
+        <p:nvPicPr>
+          <p:cNvPr id="10" name="Imagem 9">
+            <a:extLst>
+              <a:ext uri="{FF2B5EF4-FFF2-40B4-BE49-F238E27FC236}">
+                <a16:creationId xmlns:a16="http://schemas.microsoft.com/office/drawing/2014/main" id="{CCAD3AA6-68A8-4C9E-BE99-719667266433}"/>
+              </a:ext>
+            </a:extLst>
+          </p:cNvPr>
+          <p:cNvPicPr>
+            <a:picLocks noChangeAspect="1"/>
+          </p:cNvPicPr>
+          <p:nvPr/>
+        </p:nvPicPr>
+        <p:blipFill>
+          <a:blip r:embed="rId3"/>
+          <a:stretch>
+            <a:fillRect/>
+          </a:stretch>
+        </p:blipFill>
+        <p:spPr>
+          <a:xfrm>
+            <a:off x="2734582" y="4017295"/>
+            <a:ext cx="6301731" cy="1236630"/>
+          </a:xfrm>
+          <a:prstGeom prst="rect">
+            <a:avLst/>
+          </a:prstGeom>
+        </p:spPr>
+      </p:pic>
+    </p:spTree>
+    <p:extLst>
+      <p:ext uri="{BB962C8B-B14F-4D97-AF65-F5344CB8AC3E}">
+        <p14:creationId xmlns:p14="http://schemas.microsoft.com/office/powerpoint/2010/main" val="3075015388"/>
+      </p:ext>
+    </p:extLst>
+  </p:cSld>
+  <p:clrMapOvr>
+    <a:masterClrMapping/>
+  </p:clrMapOvr>
+</p:sld>
+</file>
+
+<file path=ppt/slides/slide8.xml><?xml version="1.0" encoding="utf-8"?>
+<p:sld xmlns:a="http://schemas.openxmlformats.org/drawingml/2006/main" xmlns:r="http://schemas.openxmlformats.org/officeDocument/2006/relationships" xmlns:p="http://schemas.openxmlformats.org/presentationml/2006/main">
+  <p:cSld>
+    <p:spTree>
+      <p:nvGrpSpPr>
+        <p:cNvPr id="1" name=""/>
+        <p:cNvGrpSpPr/>
+        <p:nvPr/>
+      </p:nvGrpSpPr>
+      <p:grpSpPr>
+        <a:xfrm>
+          <a:off x="0" y="0"/>
+          <a:ext cx="0" cy="0"/>
+          <a:chOff x="0" y="0"/>
+          <a:chExt cx="0" cy="0"/>
+        </a:xfrm>
+      </p:grpSpPr>
+      <p:sp>
+        <p:nvSpPr>
+          <p:cNvPr id="9" name="CaixaDeTexto 8">
+            <a:extLst>
+              <a:ext uri="{FF2B5EF4-FFF2-40B4-BE49-F238E27FC236}">
+                <a16:creationId xmlns:a16="http://schemas.microsoft.com/office/drawing/2014/main" id="{7A02424A-D3F7-49ED-9272-AE38106E51E9}"/>
+              </a:ext>
+            </a:extLst>
+          </p:cNvPr>
+          <p:cNvSpPr txBox="1"/>
+          <p:nvPr/>
+        </p:nvSpPr>
+        <p:spPr>
+          <a:xfrm>
+            <a:off x="4481731" y="238248"/>
+            <a:ext cx="3172663" cy="923330"/>
+          </a:xfrm>
+          <a:prstGeom prst="rect">
+            <a:avLst/>
+          </a:prstGeom>
+          <a:noFill/>
+        </p:spPr>
+        <p:txBody>
+          <a:bodyPr wrap="none" rtlCol="0">
             <a:spAutoFit/>
           </a:bodyPr>
           <a:lstStyle/>
           <a:p>
             <a:r>
-              <a:rPr lang="pt-BR" dirty="0"/>
-              <a:t>ALTER TABLE produtos</a:t>
-            </a:r>
-          </a:p>
-          <a:p>
-            <a:r>
-              <a:rPr lang="pt-BR" dirty="0" err="1"/>
-              <a:t>modify</a:t>
-            </a:r>
-            <a:r>
-              <a:rPr lang="pt-BR" dirty="0"/>
-              <a:t> </a:t>
-            </a:r>
-            <a:r>
-              <a:rPr lang="pt-BR" dirty="0" err="1"/>
-              <a:t>column</a:t>
-            </a:r>
-            <a:r>
-              <a:rPr lang="pt-BR" dirty="0"/>
-              <a:t> </a:t>
-            </a:r>
-            <a:r>
-              <a:rPr lang="pt-BR" dirty="0" err="1"/>
-              <a:t>observacao</a:t>
-            </a:r>
-            <a:r>
-              <a:rPr lang="pt-BR" dirty="0"/>
-              <a:t> </a:t>
-            </a:r>
-            <a:r>
-              <a:rPr lang="pt-BR" dirty="0" err="1"/>
-              <a:t>varchar</a:t>
-            </a:r>
-            <a:r>
-              <a:rPr lang="pt-BR" dirty="0"/>
-              <a:t>(255);</a:t>
+              <a:rPr lang="pt-BR" sz="5400" dirty="0"/>
+              <a:t>produtos</a:t>
+            </a:r>
+          </a:p>
+        </p:txBody>
+      </p:sp>
+      <p:pic>
+        <p:nvPicPr>
+          <p:cNvPr id="5" name="Imagem 4">
+            <a:extLst>
+              <a:ext uri="{FF2B5EF4-FFF2-40B4-BE49-F238E27FC236}">
+                <a16:creationId xmlns:a16="http://schemas.microsoft.com/office/drawing/2014/main" id="{9493B9E2-7ADC-4497-B7CB-8494755AE9D8}"/>
+              </a:ext>
+            </a:extLst>
+          </p:cNvPr>
+          <p:cNvPicPr>
+            <a:picLocks noChangeAspect="1"/>
+          </p:cNvPicPr>
+          <p:nvPr/>
+        </p:nvPicPr>
+        <p:blipFill>
+          <a:blip r:embed="rId2"/>
+          <a:stretch>
+            <a:fillRect/>
+          </a:stretch>
+        </p:blipFill>
+        <p:spPr>
+          <a:xfrm>
+            <a:off x="224417" y="1272300"/>
+            <a:ext cx="8142668" cy="3099075"/>
+          </a:xfrm>
+          <a:prstGeom prst="rect">
+            <a:avLst/>
+          </a:prstGeom>
+        </p:spPr>
+      </p:pic>
+      <p:pic>
+        <p:nvPicPr>
+          <p:cNvPr id="3" name="Imagem 2">
+            <a:extLst>
+              <a:ext uri="{FF2B5EF4-FFF2-40B4-BE49-F238E27FC236}">
+                <a16:creationId xmlns:a16="http://schemas.microsoft.com/office/drawing/2014/main" id="{E87EB6DC-91FA-4D67-BEEF-B37E090FEE87}"/>
+              </a:ext>
+            </a:extLst>
+          </p:cNvPr>
+          <p:cNvPicPr>
+            <a:picLocks noChangeAspect="1"/>
+          </p:cNvPicPr>
+          <p:nvPr/>
+        </p:nvPicPr>
+        <p:blipFill>
+          <a:blip r:embed="rId3"/>
+          <a:stretch>
+            <a:fillRect/>
+          </a:stretch>
+        </p:blipFill>
+        <p:spPr>
+          <a:xfrm>
+            <a:off x="8511233" y="1272300"/>
+            <a:ext cx="3680767" cy="2602024"/>
+          </a:xfrm>
+          <a:prstGeom prst="rect">
+            <a:avLst/>
+          </a:prstGeom>
+        </p:spPr>
+      </p:pic>
+      <p:pic>
+        <p:nvPicPr>
+          <p:cNvPr id="7" name="Imagem 6">
+            <a:extLst>
+              <a:ext uri="{FF2B5EF4-FFF2-40B4-BE49-F238E27FC236}">
+                <a16:creationId xmlns:a16="http://schemas.microsoft.com/office/drawing/2014/main" id="{4A962391-681B-4362-AFD1-811801F6B725}"/>
+              </a:ext>
+            </a:extLst>
+          </p:cNvPr>
+          <p:cNvPicPr>
+            <a:picLocks noChangeAspect="1"/>
+          </p:cNvPicPr>
+          <p:nvPr/>
+        </p:nvPicPr>
+        <p:blipFill>
+          <a:blip r:embed="rId4"/>
+          <a:stretch>
+            <a:fillRect/>
+          </a:stretch>
+        </p:blipFill>
+        <p:spPr>
+          <a:xfrm>
+            <a:off x="5497006" y="4635808"/>
+            <a:ext cx="6338533" cy="1983944"/>
+          </a:xfrm>
+          <a:prstGeom prst="rect">
+            <a:avLst/>
+          </a:prstGeom>
+        </p:spPr>
+      </p:pic>
+      <p:pic>
+        <p:nvPicPr>
+          <p:cNvPr id="10" name="Imagem 9">
+            <a:extLst>
+              <a:ext uri="{FF2B5EF4-FFF2-40B4-BE49-F238E27FC236}">
+                <a16:creationId xmlns:a16="http://schemas.microsoft.com/office/drawing/2014/main" id="{BE903971-65AA-4EFF-9D71-FE54F636C9F5}"/>
+              </a:ext>
+            </a:extLst>
+          </p:cNvPr>
+          <p:cNvPicPr>
+            <a:picLocks noChangeAspect="1"/>
+          </p:cNvPicPr>
+          <p:nvPr/>
+        </p:nvPicPr>
+        <p:blipFill>
+          <a:blip r:embed="rId5"/>
+          <a:stretch>
+            <a:fillRect/>
+          </a:stretch>
+        </p:blipFill>
+        <p:spPr>
+          <a:xfrm>
+            <a:off x="356461" y="5280515"/>
+            <a:ext cx="4838829" cy="610369"/>
+          </a:xfrm>
+          <a:prstGeom prst="rect">
+            <a:avLst/>
+          </a:prstGeom>
+        </p:spPr>
+      </p:pic>
+    </p:spTree>
+    <p:extLst>
+      <p:ext uri="{BB962C8B-B14F-4D97-AF65-F5344CB8AC3E}">
+        <p14:creationId xmlns:p14="http://schemas.microsoft.com/office/powerpoint/2010/main" val="3451884108"/>
+      </p:ext>
+    </p:extLst>
+  </p:cSld>
+  <p:clrMapOvr>
+    <a:masterClrMapping/>
+  </p:clrMapOvr>
+</p:sld>
+</file>
+
+<file path=ppt/slides/slide9.xml><?xml version="1.0" encoding="utf-8"?>
+<p:sld xmlns:a="http://schemas.openxmlformats.org/drawingml/2006/main" xmlns:r="http://schemas.openxmlformats.org/officeDocument/2006/relationships" xmlns:p="http://schemas.openxmlformats.org/presentationml/2006/main">
+  <p:cSld>
+    <p:spTree>
+      <p:nvGrpSpPr>
+        <p:cNvPr id="1" name=""/>
+        <p:cNvGrpSpPr/>
+        <p:nvPr/>
+      </p:nvGrpSpPr>
+      <p:grpSpPr>
+        <a:xfrm>
+          <a:off x="0" y="0"/>
+          <a:ext cx="0" cy="0"/>
+          <a:chOff x="0" y="0"/>
+          <a:chExt cx="0" cy="0"/>
+        </a:xfrm>
+      </p:grpSpPr>
+      <p:sp>
+        <p:nvSpPr>
+          <p:cNvPr id="9" name="CaixaDeTexto 8">
+            <a:extLst>
+              <a:ext uri="{FF2B5EF4-FFF2-40B4-BE49-F238E27FC236}">
+                <a16:creationId xmlns:a16="http://schemas.microsoft.com/office/drawing/2014/main" id="{7A02424A-D3F7-49ED-9272-AE38106E51E9}"/>
+              </a:ext>
+            </a:extLst>
+          </p:cNvPr>
+          <p:cNvSpPr txBox="1"/>
+          <p:nvPr/>
+        </p:nvSpPr>
+        <p:spPr>
+          <a:xfrm>
+            <a:off x="4432934" y="424224"/>
+            <a:ext cx="3172663" cy="923330"/>
+          </a:xfrm>
+          <a:prstGeom prst="rect">
+            <a:avLst/>
+          </a:prstGeom>
+          <a:noFill/>
+        </p:spPr>
+        <p:txBody>
+          <a:bodyPr wrap="none" rtlCol="0">
+            <a:spAutoFit/>
+          </a:bodyPr>
+          <a:lstStyle/>
+          <a:p>
+            <a:r>
+              <a:rPr lang="pt-BR" sz="5400" dirty="0"/>
+              <a:t>produtos</a:t>
             </a:r>
           </a:p>
         </p:txBody>
@@ -6865,7 +7738,7 @@
         </p:blipFill>
         <p:spPr>
           <a:xfrm>
-            <a:off x="477067" y="2398885"/>
+            <a:off x="689057" y="1657524"/>
             <a:ext cx="6436661" cy="2780888"/>
           </a:xfrm>
           <a:prstGeom prst="rect">
@@ -6875,10 +7748,10 @@
       </p:pic>
       <p:pic>
         <p:nvPicPr>
-          <p:cNvPr id="4" name="Imagem 3">
+          <p:cNvPr id="3" name="Imagem 2">
             <a:extLst>
               <a:ext uri="{FF2B5EF4-FFF2-40B4-BE49-F238E27FC236}">
-                <a16:creationId xmlns:a16="http://schemas.microsoft.com/office/drawing/2014/main" id="{655A38FF-92C2-48B4-9C9F-A20817CBF5FB}"/>
+                <a16:creationId xmlns:a16="http://schemas.microsoft.com/office/drawing/2014/main" id="{BA4CA5AA-0CAA-4D48-8C4C-21AB318B52E2}"/>
               </a:ext>
             </a:extLst>
           </p:cNvPr>
@@ -6895,8 +7768,68 @@
         </p:blipFill>
         <p:spPr>
           <a:xfrm>
-            <a:off x="7484802" y="3695300"/>
-            <a:ext cx="4148013" cy="1431471"/>
+            <a:off x="7605597" y="4823574"/>
+            <a:ext cx="4082946" cy="1366157"/>
+          </a:xfrm>
+          <a:prstGeom prst="rect">
+            <a:avLst/>
+          </a:prstGeom>
+        </p:spPr>
+      </p:pic>
+      <p:pic>
+        <p:nvPicPr>
+          <p:cNvPr id="5" name="Imagem 4">
+            <a:extLst>
+              <a:ext uri="{FF2B5EF4-FFF2-40B4-BE49-F238E27FC236}">
+                <a16:creationId xmlns:a16="http://schemas.microsoft.com/office/drawing/2014/main" id="{A598D623-0860-44F9-AB5C-EFEBA32A1EA8}"/>
+              </a:ext>
+            </a:extLst>
+          </p:cNvPr>
+          <p:cNvPicPr>
+            <a:picLocks noChangeAspect="1"/>
+          </p:cNvPicPr>
+          <p:nvPr/>
+        </p:nvPicPr>
+        <p:blipFill>
+          <a:blip r:embed="rId4"/>
+          <a:stretch>
+            <a:fillRect/>
+          </a:stretch>
+        </p:blipFill>
+        <p:spPr>
+          <a:xfrm>
+            <a:off x="7208670" y="1473258"/>
+            <a:ext cx="4876800" cy="1181100"/>
+          </a:xfrm>
+          <a:prstGeom prst="rect">
+            <a:avLst/>
+          </a:prstGeom>
+        </p:spPr>
+      </p:pic>
+      <p:pic>
+        <p:nvPicPr>
+          <p:cNvPr id="8" name="Imagem 7">
+            <a:extLst>
+              <a:ext uri="{FF2B5EF4-FFF2-40B4-BE49-F238E27FC236}">
+                <a16:creationId xmlns:a16="http://schemas.microsoft.com/office/drawing/2014/main" id="{2DD563E1-3421-41D6-877A-DD1118235AEE}"/>
+              </a:ext>
+            </a:extLst>
+          </p:cNvPr>
+          <p:cNvPicPr>
+            <a:picLocks noChangeAspect="1"/>
+          </p:cNvPicPr>
+          <p:nvPr/>
+        </p:nvPicPr>
+        <p:blipFill>
+          <a:blip r:embed="rId5"/>
+          <a:stretch>
+            <a:fillRect/>
+          </a:stretch>
+        </p:blipFill>
+        <p:spPr>
+          <a:xfrm>
+            <a:off x="1735810" y="5361742"/>
+            <a:ext cx="4838829" cy="610369"/>
           </a:xfrm>
           <a:prstGeom prst="rect">
             <a:avLst/>
@@ -6906,7 +7839,7 @@
     </p:spTree>
     <p:extLst>
       <p:ext uri="{BB962C8B-B14F-4D97-AF65-F5344CB8AC3E}">
-        <p14:creationId xmlns:p14="http://schemas.microsoft.com/office/powerpoint/2010/main" val="1793004218"/>
+        <p14:creationId xmlns:p14="http://schemas.microsoft.com/office/powerpoint/2010/main" val="4148188162"/>
       </p:ext>
     </p:extLst>
   </p:cSld>

--- a/BDIIA03.pptx
+++ b/BDIIA03.pptx
@@ -313,7 +313,7 @@
             <a:fld id="{B61BEF0D-F0BB-DE4B-95CE-6DB70DBA9567}" type="datetimeFigureOut">
               <a:rPr lang="en-US" dirty="0"/>
               <a:pPr/>
-              <a:t>4/5/2021</a:t>
+              <a:t>8/23/2021</a:t>
             </a:fld>
             <a:endParaRPr lang="en-US" dirty="0"/>
           </a:p>
@@ -746,7 +746,7 @@
             <a:fld id="{B61BEF0D-F0BB-DE4B-95CE-6DB70DBA9567}" type="datetimeFigureOut">
               <a:rPr lang="en-US" dirty="0"/>
               <a:pPr/>
-              <a:t>4/5/2021</a:t>
+              <a:t>8/23/2021</a:t>
             </a:fld>
             <a:endParaRPr lang="en-US" dirty="0"/>
           </a:p>
@@ -993,7 +993,7 @@
             <a:fld id="{B61BEF0D-F0BB-DE4B-95CE-6DB70DBA9567}" type="datetimeFigureOut">
               <a:rPr lang="en-US" dirty="0"/>
               <a:pPr/>
-              <a:t>4/5/2021</a:t>
+              <a:t>8/23/2021</a:t>
             </a:fld>
             <a:endParaRPr lang="en-US" dirty="0"/>
           </a:p>
@@ -1298,7 +1298,7 @@
             <a:fld id="{B61BEF0D-F0BB-DE4B-95CE-6DB70DBA9567}" type="datetimeFigureOut">
               <a:rPr lang="en-US" dirty="0"/>
               <a:pPr/>
-              <a:t>4/5/2021</a:t>
+              <a:t>8/23/2021</a:t>
             </a:fld>
             <a:endParaRPr lang="en-US" dirty="0"/>
           </a:p>
@@ -1613,7 +1613,7 @@
             <a:fld id="{B61BEF0D-F0BB-DE4B-95CE-6DB70DBA9567}" type="datetimeFigureOut">
               <a:rPr lang="en-US" dirty="0"/>
               <a:pPr/>
-              <a:t>4/5/2021</a:t>
+              <a:t>8/23/2021</a:t>
             </a:fld>
             <a:endParaRPr lang="en-US" dirty="0"/>
           </a:p>
@@ -1912,7 +1912,7 @@
             <a:fld id="{B61BEF0D-F0BB-DE4B-95CE-6DB70DBA9567}" type="datetimeFigureOut">
               <a:rPr lang="en-US" dirty="0"/>
               <a:pPr/>
-              <a:t>4/5/2021</a:t>
+              <a:t>8/23/2021</a:t>
             </a:fld>
             <a:endParaRPr lang="en-US" dirty="0"/>
           </a:p>
@@ -2276,7 +2276,7 @@
             <a:fld id="{B61BEF0D-F0BB-DE4B-95CE-6DB70DBA9567}" type="datetimeFigureOut">
               <a:rPr lang="en-US" dirty="0"/>
               <a:pPr/>
-              <a:t>4/5/2021</a:t>
+              <a:t>8/23/2021</a:t>
             </a:fld>
             <a:endParaRPr lang="en-US" dirty="0"/>
           </a:p>
@@ -2447,7 +2447,7 @@
             <a:fld id="{B61BEF0D-F0BB-DE4B-95CE-6DB70DBA9567}" type="datetimeFigureOut">
               <a:rPr lang="en-US" dirty="0"/>
               <a:pPr/>
-              <a:t>4/5/2021</a:t>
+              <a:t>8/23/2021</a:t>
             </a:fld>
             <a:endParaRPr lang="en-US" dirty="0"/>
           </a:p>
@@ -2624,7 +2624,7 @@
             <a:fld id="{B61BEF0D-F0BB-DE4B-95CE-6DB70DBA9567}" type="datetimeFigureOut">
               <a:rPr lang="en-US" dirty="0"/>
               <a:pPr/>
-              <a:t>4/5/2021</a:t>
+              <a:t>8/23/2021</a:t>
             </a:fld>
             <a:endParaRPr lang="en-US" dirty="0"/>
           </a:p>
@@ -2791,7 +2791,7 @@
             <a:fld id="{B61BEF0D-F0BB-DE4B-95CE-6DB70DBA9567}" type="datetimeFigureOut">
               <a:rPr lang="en-US" dirty="0"/>
               <a:pPr/>
-              <a:t>4/5/2021</a:t>
+              <a:t>8/23/2021</a:t>
             </a:fld>
             <a:endParaRPr lang="en-US" dirty="0"/>
           </a:p>
@@ -3038,7 +3038,7 @@
             <a:fld id="{B61BEF0D-F0BB-DE4B-95CE-6DB70DBA9567}" type="datetimeFigureOut">
               <a:rPr lang="en-US" dirty="0"/>
               <a:pPr/>
-              <a:t>4/5/2021</a:t>
+              <a:t>8/23/2021</a:t>
             </a:fld>
             <a:endParaRPr lang="en-US" dirty="0"/>
           </a:p>
@@ -3271,7 +3271,7 @@
             <a:fld id="{B61BEF0D-F0BB-DE4B-95CE-6DB70DBA9567}" type="datetimeFigureOut">
               <a:rPr lang="en-US" dirty="0"/>
               <a:pPr/>
-              <a:t>4/5/2021</a:t>
+              <a:t>8/23/2021</a:t>
             </a:fld>
             <a:endParaRPr lang="en-US" dirty="0"/>
           </a:p>
@@ -3650,7 +3650,7 @@
             <a:fld id="{B61BEF0D-F0BB-DE4B-95CE-6DB70DBA9567}" type="datetimeFigureOut">
               <a:rPr lang="en-US" dirty="0"/>
               <a:pPr/>
-              <a:t>4/5/2021</a:t>
+              <a:t>8/23/2021</a:t>
             </a:fld>
             <a:endParaRPr lang="en-US" dirty="0"/>
           </a:p>
@@ -3765,7 +3765,7 @@
             <a:fld id="{B61BEF0D-F0BB-DE4B-95CE-6DB70DBA9567}" type="datetimeFigureOut">
               <a:rPr lang="en-US" dirty="0"/>
               <a:pPr/>
-              <a:t>4/5/2021</a:t>
+              <a:t>8/23/2021</a:t>
             </a:fld>
             <a:endParaRPr lang="en-US" dirty="0"/>
           </a:p>
@@ -3857,7 +3857,7 @@
             <a:fld id="{B61BEF0D-F0BB-DE4B-95CE-6DB70DBA9567}" type="datetimeFigureOut">
               <a:rPr lang="en-US" dirty="0"/>
               <a:pPr/>
-              <a:t>4/5/2021</a:t>
+              <a:t>8/23/2021</a:t>
             </a:fld>
             <a:endParaRPr lang="en-US" dirty="0"/>
           </a:p>
@@ -4109,7 +4109,7 @@
             <a:fld id="{B61BEF0D-F0BB-DE4B-95CE-6DB70DBA9567}" type="datetimeFigureOut">
               <a:rPr lang="en-US" dirty="0"/>
               <a:pPr/>
-              <a:t>4/5/2021</a:t>
+              <a:t>8/23/2021</a:t>
             </a:fld>
             <a:endParaRPr lang="en-US" dirty="0"/>
           </a:p>
@@ -4389,7 +4389,7 @@
             <a:fld id="{B61BEF0D-F0BB-DE4B-95CE-6DB70DBA9567}" type="datetimeFigureOut">
               <a:rPr lang="en-US" dirty="0"/>
               <a:pPr/>
-              <a:t>4/5/2021</a:t>
+              <a:t>8/23/2021</a:t>
             </a:fld>
             <a:endParaRPr lang="en-US" dirty="0"/>
           </a:p>
@@ -4792,7 +4792,7 @@
             <a:fld id="{B61BEF0D-F0BB-DE4B-95CE-6DB70DBA9567}" type="datetimeFigureOut">
               <a:rPr lang="en-US" dirty="0"/>
               <a:pPr/>
-              <a:t>4/5/2021</a:t>
+              <a:t>8/23/2021</a:t>
             </a:fld>
             <a:endParaRPr lang="en-US" dirty="0"/>
           </a:p>
@@ -5344,6 +5344,10 @@
           <a:bodyPr/>
           <a:lstStyle/>
           <a:p>
+            <a:r>
+              <a:rPr lang="en-US" dirty="0"/>
+              <a:t>Alter table</a:t>
+            </a:r>
             <a:endParaRPr lang="pt-BR" dirty="0"/>
           </a:p>
         </p:txBody>
@@ -5369,7 +5373,11 @@
           <a:bodyPr/>
           <a:lstStyle/>
           <a:p>
-            <a:endParaRPr lang="pt-BR"/>
+            <a:r>
+              <a:rPr lang="en-US" dirty="0"/>
+              <a:t>André Neves</a:t>
+            </a:r>
+            <a:endParaRPr lang="pt-BR" dirty="0"/>
           </a:p>
         </p:txBody>
       </p:sp>
